--- a/Chapter_3/figures/traj_new/1e-04_0_05/1e04005new.pptx
+++ b/Chapter_3/figures/traj_new/1e-04_0_05/1e04005new.pptx
@@ -104,6 +104,11 @@
       </a:defRPr>
     </a:lvl9pPr>
   </p:defaultTextStyle>
+  <p:extLst>
+    <p:ext uri="{EFAFB233-063F-42B5-8137-9DF3F51BA10A}">
+      <p15:sldGuideLst xmlns:p15="http://schemas.microsoft.com/office/powerpoint/2012/main"/>
+    </p:ext>
+  </p:extLst>
 </p:presentation>
 </file>
 
@@ -238,7 +243,7 @@
           <a:p>
             <a:fld id="{1C0919E1-D14B-5742-A0E3-494DF3A485BC}" type="datetimeFigureOut">
               <a:rPr lang="en-US" smtClean="0"/>
-              <a:t>4/2/24</a:t>
+              <a:t>4/5/24</a:t>
             </a:fld>
             <a:endParaRPr lang="en-US"/>
           </a:p>
@@ -408,7 +413,7 @@
           <a:p>
             <a:fld id="{1C0919E1-D14B-5742-A0E3-494DF3A485BC}" type="datetimeFigureOut">
               <a:rPr lang="en-US" smtClean="0"/>
-              <a:t>4/2/24</a:t>
+              <a:t>4/5/24</a:t>
             </a:fld>
             <a:endParaRPr lang="en-US"/>
           </a:p>
@@ -588,7 +593,7 @@
           <a:p>
             <a:fld id="{1C0919E1-D14B-5742-A0E3-494DF3A485BC}" type="datetimeFigureOut">
               <a:rPr lang="en-US" smtClean="0"/>
-              <a:t>4/2/24</a:t>
+              <a:t>4/5/24</a:t>
             </a:fld>
             <a:endParaRPr lang="en-US"/>
           </a:p>
@@ -758,7 +763,7 @@
           <a:p>
             <a:fld id="{1C0919E1-D14B-5742-A0E3-494DF3A485BC}" type="datetimeFigureOut">
               <a:rPr lang="en-US" smtClean="0"/>
-              <a:t>4/2/24</a:t>
+              <a:t>4/5/24</a:t>
             </a:fld>
             <a:endParaRPr lang="en-US"/>
           </a:p>
@@ -1004,7 +1009,7 @@
           <a:p>
             <a:fld id="{1C0919E1-D14B-5742-A0E3-494DF3A485BC}" type="datetimeFigureOut">
               <a:rPr lang="en-US" smtClean="0"/>
-              <a:t>4/2/24</a:t>
+              <a:t>4/5/24</a:t>
             </a:fld>
             <a:endParaRPr lang="en-US"/>
           </a:p>
@@ -1236,7 +1241,7 @@
           <a:p>
             <a:fld id="{1C0919E1-D14B-5742-A0E3-494DF3A485BC}" type="datetimeFigureOut">
               <a:rPr lang="en-US" smtClean="0"/>
-              <a:t>4/2/24</a:t>
+              <a:t>4/5/24</a:t>
             </a:fld>
             <a:endParaRPr lang="en-US"/>
           </a:p>
@@ -1603,7 +1608,7 @@
           <a:p>
             <a:fld id="{1C0919E1-D14B-5742-A0E3-494DF3A485BC}" type="datetimeFigureOut">
               <a:rPr lang="en-US" smtClean="0"/>
-              <a:t>4/2/24</a:t>
+              <a:t>4/5/24</a:t>
             </a:fld>
             <a:endParaRPr lang="en-US"/>
           </a:p>
@@ -1721,7 +1726,7 @@
           <a:p>
             <a:fld id="{1C0919E1-D14B-5742-A0E3-494DF3A485BC}" type="datetimeFigureOut">
               <a:rPr lang="en-US" smtClean="0"/>
-              <a:t>4/2/24</a:t>
+              <a:t>4/5/24</a:t>
             </a:fld>
             <a:endParaRPr lang="en-US"/>
           </a:p>
@@ -1816,7 +1821,7 @@
           <a:p>
             <a:fld id="{1C0919E1-D14B-5742-A0E3-494DF3A485BC}" type="datetimeFigureOut">
               <a:rPr lang="en-US" smtClean="0"/>
-              <a:t>4/2/24</a:t>
+              <a:t>4/5/24</a:t>
             </a:fld>
             <a:endParaRPr lang="en-US"/>
           </a:p>
@@ -2093,7 +2098,7 @@
           <a:p>
             <a:fld id="{1C0919E1-D14B-5742-A0E3-494DF3A485BC}" type="datetimeFigureOut">
               <a:rPr lang="en-US" smtClean="0"/>
-              <a:t>4/2/24</a:t>
+              <a:t>4/5/24</a:t>
             </a:fld>
             <a:endParaRPr lang="en-US"/>
           </a:p>
@@ -2350,7 +2355,7 @@
           <a:p>
             <a:fld id="{1C0919E1-D14B-5742-A0E3-494DF3A485BC}" type="datetimeFigureOut">
               <a:rPr lang="en-US" smtClean="0"/>
-              <a:t>4/2/24</a:t>
+              <a:t>4/5/24</a:t>
             </a:fld>
             <a:endParaRPr lang="en-US"/>
           </a:p>
@@ -2563,7 +2568,7 @@
           <a:p>
             <a:fld id="{1C0919E1-D14B-5742-A0E3-494DF3A485BC}" type="datetimeFigureOut">
               <a:rPr lang="en-US" smtClean="0"/>
-              <a:t>4/2/24</a:t>
+              <a:t>4/5/24</a:t>
             </a:fld>
             <a:endParaRPr lang="en-US"/>
           </a:p>
@@ -2989,8 +2994,8 @@
         </p:blipFill>
         <p:spPr>
           <a:xfrm>
-            <a:off x="-269489" y="4701363"/>
-            <a:ext cx="3908503" cy="2345101"/>
+            <a:off x="-207944" y="4701363"/>
+            <a:ext cx="3908501" cy="2345101"/>
           </a:xfrm>
           <a:prstGeom prst="rect">
             <a:avLst/>
@@ -3019,7 +3024,7 @@
         <p:spPr>
           <a:xfrm>
             <a:off x="3317487" y="4747317"/>
-            <a:ext cx="3908501" cy="2345101"/>
+            <a:ext cx="3908501" cy="2345100"/>
           </a:xfrm>
           <a:prstGeom prst="rect">
             <a:avLst/>
@@ -3047,8 +3052,8 @@
         </p:blipFill>
         <p:spPr>
           <a:xfrm>
-            <a:off x="-269489" y="2402213"/>
-            <a:ext cx="3908503" cy="2345101"/>
+            <a:off x="-207944" y="2402213"/>
+            <a:ext cx="3908501" cy="2345101"/>
           </a:xfrm>
           <a:prstGeom prst="rect">
             <a:avLst/>
@@ -3076,7 +3081,7 @@
         </p:blipFill>
         <p:spPr>
           <a:xfrm>
-            <a:off x="-269489" y="57112"/>
+            <a:off x="-207945" y="57112"/>
             <a:ext cx="3908505" cy="2345103"/>
           </a:xfrm>
           <a:prstGeom prst="rect">
@@ -3105,8 +3110,8 @@
         </p:blipFill>
         <p:spPr>
           <a:xfrm>
-            <a:off x="3317488" y="57111"/>
-            <a:ext cx="3908503" cy="2345101"/>
+            <a:off x="3317489" y="57111"/>
+            <a:ext cx="3908501" cy="2345101"/>
           </a:xfrm>
           <a:prstGeom prst="rect">
             <a:avLst/>
@@ -3134,8 +3139,8 @@
         </p:blipFill>
         <p:spPr>
           <a:xfrm>
-            <a:off x="3317488" y="2402213"/>
-            <a:ext cx="3908503" cy="2345101"/>
+            <a:off x="3317489" y="2402213"/>
+            <a:ext cx="3908501" cy="2345101"/>
           </a:xfrm>
           <a:prstGeom prst="rect">
             <a:avLst/>
